--- a/study/EnumClass/enum.pptx
+++ b/study/EnumClass/enum.pptx
@@ -2,7 +2,7 @@
 <file path=ppt/presentation.xml><?xml version="1.0" encoding="utf-8"?>
 <p:presentation xmlns:a="http://schemas.openxmlformats.org/drawingml/2006/main" xmlns:r="http://schemas.openxmlformats.org/officeDocument/2006/relationships" xmlns:p="http://schemas.openxmlformats.org/presentationml/2006/main" xmlns:p14="http://schemas.microsoft.com/office/powerpoint/2010/main" saveSubsetFonts="1">
   <p:sldMasterIdLst>
-    <p:sldMasterId id="2147483887" r:id="rId13"/>
+    <p:sldMasterId id="2147483889" r:id="rId13"/>
   </p:sldMasterIdLst>
   <p:sldIdLst>
     <p:sldId id="256" r:id="rId15"/>
@@ -120,12 +120,12 @@
   <p:extLst>
     <p:ext uri="{EFAFB233-063F-42B5-8137-9DF3F51BA10A}">
       <p15:sldGuideLst xmlns:p15="http://schemas.microsoft.com/office/powerpoint/2012/main">
-        <p15:guide id="0" orient="horz" pos="2159" userDrawn="1">
+        <p15:guide id="0" orient="horz" pos="2158" userDrawn="1">
           <p15:clr>
             <a:srgbClr val="A4A3A4"/>
           </p15:clr>
         </p15:guide>
-        <p15:guide id="1" pos="2879" userDrawn="1">
+        <p15:guide id="1" pos="2878" userDrawn="1">
           <p15:clr>
             <a:srgbClr val="A4A3A4"/>
           </p15:clr>
@@ -3968,7 +3968,7 @@
 </file>
 
 <file path=ppt/slides/slide10.xml><?xml version="1.0" encoding="utf-8"?>
-<p:sld xmlns:a="http://schemas.openxmlformats.org/drawingml/2006/main" xmlns:r="http://schemas.openxmlformats.org/officeDocument/2006/relationships" xmlns:p="http://schemas.openxmlformats.org/presentationml/2006/main">
+<p:sld xmlns:a="http://schemas.openxmlformats.org/drawingml/2006/main" xmlns:r="http://schemas.openxmlformats.org/officeDocument/2006/relationships" xmlns:p="http://schemas.openxmlformats.org/presentationml/2006/main" xmlns:p14="http://schemas.microsoft.com/office/powerpoint/2010/main">
   <p:cSld>
     <p:spTree>
       <p:nvGrpSpPr>
@@ -4115,7 +4115,7 @@
         </p:grpSpPr>
         <p:pic>
           <p:nvPicPr>
-            <p:cNvPr id="11" name="Picture " descr="C:/Users/user/AppData/Roaming/PolarisOffice/ETemp/14856_20176952/image19.png"/>
+            <p:cNvPr id="11" name="Picture "/>
             <p:cNvPicPr>
               <a:picLocks noChangeAspect="1"/>
             </p:cNvPicPr>
@@ -4161,7 +4161,7 @@
         </p:grpSpPr>
         <p:pic>
           <p:nvPicPr>
-            <p:cNvPr id="14" name="Picture " descr="C:/Users/user/AppData/Roaming/PolarisOffice/ETemp/14856_20176952/image20.png"/>
+            <p:cNvPr id="14" name="Picture "/>
             <p:cNvPicPr>
               <a:picLocks noChangeAspect="1"/>
             </p:cNvPicPr>
@@ -4265,7 +4265,7 @@
         </p:grpSpPr>
         <p:pic>
           <p:nvPicPr>
-            <p:cNvPr id="3" name="Picture " descr="C:/Users/user/AppData/Roaming/PolarisOffice/ETemp/14856_20176952/image17.png"/>
+            <p:cNvPr id="3" name="Picture "/>
             <p:cNvPicPr>
               <a:picLocks noChangeAspect="1"/>
             </p:cNvPicPr>
@@ -4311,7 +4311,7 @@
         </p:grpSpPr>
         <p:pic>
           <p:nvPicPr>
-            <p:cNvPr id="8" name="Picture " descr="C:/Users/user/AppData/Roaming/PolarisOffice/ETemp/14856_20176952/image18.png"/>
+            <p:cNvPr id="8" name="Picture "/>
             <p:cNvPicPr>
               <a:picLocks noChangeAspect="1"/>
             </p:cNvPicPr>
@@ -4339,26 +4339,6 @@
           </p:spPr>
         </p:pic>
       </p:grpSp>
-      <p:grpSp>
-        <p:nvGrpSpPr>
-          <p:cNvPr id="1008" name="Group 5"/>
-          <p:cNvGrpSpPr>
-            <a:grpSpLocks/>
-          </p:cNvGrpSpPr>
-          <p:nvPr/>
-        </p:nvGrpSpPr>
-        <p:grpSpPr>
-          <a:xfrm rot="0">
-            <a:off x="6714490" y="1634490"/>
-            <a:ext cx="2604135" cy="755650"/>
-            <a:chOff x="6714490" y="1634490"/>
-            <a:chExt cx="2604135" cy="755650"/>
-          </a:xfrm>
-          <a:solidFill>
-            <a:schemeClr val="bg1"/>
-          </a:solidFill>
-        </p:grpSpPr>
-      </p:grpSp>
       <p:sp>
         <p:nvSpPr>
           <p:cNvPr id="1009" name="Rect 0"/>
@@ -4368,9 +4348,9 @@
           <p:nvPr/>
         </p:nvSpPr>
         <p:spPr>
-          <a:xfrm rot="0">
+          <a:xfrm>
             <a:off x="6277610" y="1493520"/>
-            <a:ext cx="4001770" cy="1388110"/>
+            <a:ext cx="4002405" cy="1388745"/>
           </a:xfrm>
           <a:prstGeom prst="rect"/>
           <a:solidFill>
@@ -4402,12 +4382,15 @@
           </a:fontRef>
         </p:style>
         <p:txBody>
-          <a:bodyPr wrap="square" lIns="91440" tIns="45720" rIns="91440" bIns="45720" vert="horz" anchor="ctr">
+          <a:bodyPr wrap="square" lIns="91440" tIns="45720" rIns="91440" bIns="45720" numCol="1" vert="horz" anchor="ctr">
             <a:noAutofit/>
           </a:bodyPr>
           <a:lstStyle/>
           <a:p>
-            <a:pPr marL="0" indent="0" algn="l" hangingPunct="1"/>
+            <a:pPr marL="0" indent="0" algn="l" latinLnBrk="0" hangingPunct="1">
+              <a:buFontTx/>
+              <a:buNone/>
+            </a:pPr>
             <a:r>
               <a:rPr sz="1800">
                 <a:solidFill>
@@ -4416,17 +4399,17 @@
                 <a:latin typeface="맑은 고딕" charset="0"/>
                 <a:ea typeface="맑은 고딕" charset="0"/>
               </a:rPr>
-              <a:t>e</a:t>
-            </a:r>
-            <a:r>
-              <a:rPr sz="1800">
+              <a:t>enum에</a:t>
+            </a:r>
+            <a:r>
+              <a:rPr lang="ko-KR" sz="1800">
                 <a:solidFill>
                   <a:schemeClr val="tx1"/>
                 </a:solidFill>
                 <a:latin typeface="맑은 고딕" charset="0"/>
                 <a:ea typeface="맑은 고딕" charset="0"/>
               </a:rPr>
-              <a:t>num에</a:t>
+              <a:t>도</a:t>
             </a:r>
             <a:r>
               <a:rPr lang="ko-KR" sz="1800">
@@ -4436,27 +4419,7 @@
                 <a:latin typeface="맑은 고딕" charset="0"/>
                 <a:ea typeface="맑은 고딕" charset="0"/>
               </a:rPr>
-              <a:t>도</a:t>
-            </a:r>
-            <a:r>
-              <a:rPr lang="ko-KR" sz="1800">
-                <a:solidFill>
-                  <a:schemeClr val="tx1"/>
-                </a:solidFill>
-                <a:latin typeface="맑은 고딕" charset="0"/>
-                <a:ea typeface="맑은 고딕" charset="0"/>
-              </a:rPr>
-              <a:t> </a:t>
-            </a:r>
-            <a:r>
-              <a:rPr lang="ko-KR" sz="1800">
-                <a:solidFill>
-                  <a:schemeClr val="tx1"/>
-                </a:solidFill>
-                <a:latin typeface="맑은 고딕" charset="0"/>
-                <a:ea typeface="맑은 고딕" charset="0"/>
-              </a:rPr>
-              <a:t>함수를 만들수있습니다 !</a:t>
+              <a:t> 함수를 만들수있습니다 !</a:t>
             </a:r>
             <a:endParaRPr lang="ko-KR" altLang="en-US" sz="1800">
               <a:solidFill>
@@ -4467,7 +4430,10 @@
             </a:endParaRPr>
           </a:p>
           <a:p>
-            <a:pPr marL="0" indent="0" algn="l" hangingPunct="1"/>
+            <a:pPr marL="0" indent="0" algn="l" latinLnBrk="0" hangingPunct="1">
+              <a:buFontTx/>
+              <a:buNone/>
+            </a:pPr>
             <a:r>
               <a:rPr lang="ko-KR" sz="1800">
                 <a:solidFill>
@@ -4476,7 +4442,7 @@
                 <a:latin typeface="맑은 고딕" charset="0"/>
                 <a:ea typeface="맑은 고딕" charset="0"/>
               </a:rPr>
-              <a:t>해</a:t>
+              <a:t>해당</a:t>
             </a:r>
             <a:r>
               <a:rPr lang="ko-KR" sz="1800">
@@ -4486,7 +4452,7 @@
                 <a:latin typeface="맑은 고딕" charset="0"/>
                 <a:ea typeface="맑은 고딕" charset="0"/>
               </a:rPr>
-              <a:t>당</a:t>
+              <a:t> 함수는 아래 Switch 문과 같은 </a:t>
             </a:r>
             <a:r>
               <a:rPr lang="ko-KR" sz="1800">
@@ -4496,41 +4462,54 @@
                 <a:latin typeface="맑은 고딕" charset="0"/>
                 <a:ea typeface="맑은 고딕" charset="0"/>
               </a:rPr>
-              <a:t> </a:t>
-            </a:r>
-            <a:r>
-              <a:rPr lang="ko-KR" sz="1800">
-                <a:solidFill>
-                  <a:schemeClr val="tx1"/>
-                </a:solidFill>
-                <a:latin typeface="맑은 고딕" charset="0"/>
-                <a:ea typeface="맑은 고딕" charset="0"/>
-              </a:rPr>
-              <a:t>함수는 아래 Switch 문과 같은 </a:t>
-            </a:r>
-            <a:r>
-              <a:rPr lang="ko-KR" sz="1800">
-                <a:solidFill>
-                  <a:schemeClr val="tx1"/>
-                </a:solidFill>
-                <a:latin typeface="맑은 고딕" charset="0"/>
-                <a:ea typeface="맑은 고딕" charset="0"/>
-              </a:rPr>
-              <a:t>코드입니</a:t>
-            </a:r>
-            <a:r>
-              <a:rPr lang="ko-KR" sz="1800">
-                <a:solidFill>
-                  <a:schemeClr val="tx1"/>
-                </a:solidFill>
-                <a:latin typeface="맑은 고딕" charset="0"/>
-                <a:ea typeface="맑은 고딕" charset="0"/>
-              </a:rPr>
-              <a:t>다</a:t>
+              <a:t>코드입니다</a:t>
             </a:r>
             <a:endParaRPr lang="ko-KR" altLang="en-US" sz="1800">
               <a:solidFill>
                 <a:schemeClr val="tx1"/>
+              </a:solidFill>
+              <a:latin typeface="맑은 고딕" charset="0"/>
+              <a:ea typeface="맑은 고딕" charset="0"/>
+            </a:endParaRPr>
+          </a:p>
+          <a:p>
+            <a:pPr marL="0" indent="0" algn="l" latinLnBrk="0" hangingPunct="1">
+              <a:buFontTx/>
+              <a:buNone/>
+            </a:pPr>
+            <a:r>
+              <a:rPr lang="ko-KR" sz="1800">
+                <a:solidFill>
+                  <a:srgbClr val="FF0000"/>
+                </a:solidFill>
+                <a:latin typeface="맑은 고딕" charset="0"/>
+                <a:ea typeface="맑은 고딕" charset="0"/>
+              </a:rPr>
+              <a:t>모두</a:t>
+            </a:r>
+            <a:r>
+              <a:rPr lang="ko-KR" sz="1800">
+                <a:solidFill>
+                  <a:srgbClr val="FF0000"/>
+                </a:solidFill>
+                <a:latin typeface="맑은 고딕" charset="0"/>
+                <a:ea typeface="맑은 고딕" charset="0"/>
+              </a:rPr>
+              <a:t> </a:t>
+            </a:r>
+            <a:r>
+              <a:rPr lang="ko-KR" sz="1800">
+                <a:solidFill>
+                  <a:srgbClr val="FF0000"/>
+                </a:solidFill>
+                <a:latin typeface="맑은 고딕" charset="0"/>
+                <a:ea typeface="맑은 고딕" charset="0"/>
+              </a:rPr>
+              <a:t>같은 역할을 합니다.</a:t>
+            </a:r>
+            <a:endParaRPr lang="ko-KR" altLang="en-US" sz="1800">
+              <a:solidFill>
+                <a:srgbClr val="FF0000"/>
               </a:solidFill>
               <a:latin typeface="맑은 고딕" charset="0"/>
               <a:ea typeface="맑은 고딕" charset="0"/>
@@ -4556,7 +4535,7 @@
         </p:grpSpPr>
         <p:pic>
           <p:nvPicPr>
-            <p:cNvPr id="18" name="Picture " descr="C:/Users/user/AppData/Roaming/PolarisOffice/ETemp/14856_20176952/image21.png"/>
+            <p:cNvPr id="18" name="Picture "/>
             <p:cNvPicPr>
               <a:picLocks noChangeAspect="1"/>
             </p:cNvPicPr>
@@ -4586,7 +4565,7 @@
       </p:grpSp>
       <p:pic>
         <p:nvPicPr>
-          <p:cNvPr id="1011" name="Picture " descr="C:/Users/user/AppData/Roaming/PolarisOffice/ETemp/14856_20176952/fImage65864672995.png"/>
+          <p:cNvPr id="1011" name="Picture "/>
           <p:cNvPicPr>
             <a:picLocks noChangeAspect="1"/>
           </p:cNvPicPr>
@@ -4615,7 +4594,7 @@
       </p:pic>
       <p:pic>
         <p:nvPicPr>
-          <p:cNvPr id="1012" name="그림 68" descr="C:/Users/user/AppData/Roaming/PolarisOffice/ETemp/14856_20176952/fImage63184681942.png"/>
+          <p:cNvPr id="1012" name="그림 68"/>
           <p:cNvPicPr>
             <a:picLocks noChangeAspect="1"/>
           </p:cNvPicPr>
@@ -4644,7 +4623,7 @@
       </p:pic>
       <p:pic>
         <p:nvPicPr>
-          <p:cNvPr id="1013" name="그림 69" descr="C:/Users/user/AppData/Roaming/PolarisOffice/ETemp/14856_20176952/fImage5324694827.png"/>
+          <p:cNvPr id="1013" name="그림 69"/>
           <p:cNvPicPr>
             <a:picLocks noChangeAspect="1"/>
           </p:cNvPicPr>
@@ -4673,7 +4652,7 @@
       </p:pic>
       <p:pic>
         <p:nvPicPr>
-          <p:cNvPr id="1014" name="그림 71" descr="C:/Users/user/AppData/Roaming/PolarisOffice/ETemp/14856_20176952/fImage215294885436.png"/>
+          <p:cNvPr id="1014" name="그림 71"/>
           <p:cNvPicPr>
             <a:picLocks noChangeAspect="1"/>
           </p:cNvPicPr>
@@ -4700,6 +4679,200 @@
           <a:noFill/>
         </p:spPr>
       </p:pic>
+      <p:pic>
+        <p:nvPicPr>
+          <p:cNvPr id="1015" name="그림 2" descr="C:/Users/user/AppData/Roaming/PolarisOffice/ETemp/34516_17330408/fImage666027441.png"/>
+          <p:cNvPicPr>
+            <a:picLocks noChangeAspect="1"/>
+          </p:cNvPicPr>
+          <p:nvPr/>
+        </p:nvPicPr>
+        <p:blipFill rotWithShape="1">
+          <a:blip r:embed="rId11" cstate="print">
+            <a:extLst>
+              <a:ext uri="{28A0092B-C50C-407E-A947-70E740481C1C}">
+                <a14:useLocalDpi xmlns:a14="http://schemas.microsoft.com/office/drawing/2010/main" val="0"/>
+              </a:ext>
+            </a:extLst>
+          </a:blip>
+          <a:stretch>
+            <a:fillRect/>
+          </a:stretch>
+        </p:blipFill>
+        <p:spPr>
+          <a:xfrm rot="0">
+            <a:off x="1617345" y="147955"/>
+            <a:ext cx="4448810" cy="1238885"/>
+          </a:xfrm>
+          <a:prstGeom prst="rect"/>
+          <a:noFill/>
+        </p:spPr>
+      </p:pic>
+      <p:sp>
+        <p:nvSpPr>
+          <p:cNvPr id="1016" name="도형 3"/>
+          <p:cNvSpPr>
+            <a:spLocks/>
+          </p:cNvSpPr>
+          <p:nvPr/>
+        </p:nvSpPr>
+        <p:spPr>
+          <a:xfrm rot="0">
+            <a:off x="1605915" y="137795"/>
+            <a:ext cx="4452620" cy="1231900"/>
+          </a:xfrm>
+          <a:prstGeom prst="rect"/>
+          <a:noFill/>
+          <a:ln w="28575" cap="flat" cmpd="sng">
+            <a:solidFill>
+              <a:srgbClr val="FF0000">
+                <a:alpha val="100000"/>
+              </a:srgbClr>
+            </a:solidFill>
+            <a:prstDash val="solid"/>
+            <a:round/>
+          </a:ln>
+        </p:spPr>
+        <p:style>
+          <a:lnRef idx="2">
+            <a:schemeClr val="accent1">
+              <a:shade val="50000"/>
+            </a:schemeClr>
+          </a:lnRef>
+          <a:fillRef idx="1">
+            <a:schemeClr val="accent1"/>
+          </a:fillRef>
+          <a:effectRef idx="0">
+            <a:schemeClr val="accent1"/>
+          </a:effectRef>
+          <a:fontRef idx="minor">
+            <a:schemeClr val="lt1"/>
+          </a:fontRef>
+        </p:style>
+        <p:txBody>
+          <a:bodyPr wrap="square" lIns="91440" tIns="45720" rIns="91440" bIns="45720" vert="horz" anchor="ctr">
+            <a:noAutofit/>
+          </a:bodyPr>
+          <a:lstStyle/>
+          <a:p>
+            <a:pPr marL="0" indent="0" algn="ctr" hangingPunct="1"/>
+            <a:endParaRPr lang="ko-KR" altLang="en-US" sz="1800">
+              <a:latin typeface="맑은 고딕" charset="0"/>
+              <a:ea typeface="맑은 고딕" charset="0"/>
+            </a:endParaRPr>
+          </a:p>
+        </p:txBody>
+      </p:sp>
+      <p:sp>
+        <p:nvSpPr>
+          <p:cNvPr id="1017" name="도형 8"/>
+          <p:cNvSpPr>
+            <a:spLocks/>
+          </p:cNvSpPr>
+          <p:nvPr/>
+        </p:nvSpPr>
+        <p:spPr>
+          <a:xfrm rot="0">
+            <a:off x="564515" y="2691765"/>
+            <a:ext cx="5168900" cy="2933065"/>
+          </a:xfrm>
+          <a:prstGeom prst="rect"/>
+          <a:noFill/>
+          <a:ln w="28575" cap="flat" cmpd="sng">
+            <a:solidFill>
+              <a:srgbClr val="FF0000">
+                <a:alpha val="100000"/>
+              </a:srgbClr>
+            </a:solidFill>
+            <a:prstDash val="solid"/>
+            <a:round/>
+          </a:ln>
+        </p:spPr>
+        <p:style>
+          <a:lnRef idx="2">
+            <a:schemeClr val="accent1">
+              <a:shade val="50000"/>
+            </a:schemeClr>
+          </a:lnRef>
+          <a:fillRef idx="1">
+            <a:schemeClr val="accent1"/>
+          </a:fillRef>
+          <a:effectRef idx="0">
+            <a:schemeClr val="accent1"/>
+          </a:effectRef>
+          <a:fontRef idx="minor">
+            <a:schemeClr val="lt1"/>
+          </a:fontRef>
+        </p:style>
+        <p:txBody>
+          <a:bodyPr wrap="square" lIns="91440" tIns="45720" rIns="91440" bIns="45720" vert="horz" anchor="ctr">
+            <a:noAutofit/>
+          </a:bodyPr>
+          <a:lstStyle/>
+          <a:p>
+            <a:pPr marL="0" indent="0" algn="ctr" hangingPunct="1"/>
+            <a:endParaRPr lang="ko-KR" altLang="en-US" sz="1800">
+              <a:latin typeface="맑은 고딕" charset="0"/>
+              <a:ea typeface="맑은 고딕" charset="0"/>
+            </a:endParaRPr>
+          </a:p>
+        </p:txBody>
+      </p:sp>
+      <p:sp>
+        <p:nvSpPr>
+          <p:cNvPr id="1018" name="도형 9"/>
+          <p:cNvSpPr>
+            <a:spLocks/>
+          </p:cNvSpPr>
+          <p:nvPr/>
+        </p:nvSpPr>
+        <p:spPr>
+          <a:xfrm rot="0">
+            <a:off x="5797550" y="3088640"/>
+            <a:ext cx="4437380" cy="4023995"/>
+          </a:xfrm>
+          <a:prstGeom prst="rect"/>
+          <a:noFill/>
+          <a:ln w="28575" cap="flat" cmpd="sng">
+            <a:solidFill>
+              <a:srgbClr val="FF0000">
+                <a:alpha val="100000"/>
+              </a:srgbClr>
+            </a:solidFill>
+            <a:prstDash val="solid"/>
+            <a:round/>
+          </a:ln>
+        </p:spPr>
+        <p:style>
+          <a:lnRef idx="2">
+            <a:schemeClr val="accent1">
+              <a:shade val="50000"/>
+            </a:schemeClr>
+          </a:lnRef>
+          <a:fillRef idx="1">
+            <a:schemeClr val="accent1"/>
+          </a:fillRef>
+          <a:effectRef idx="0">
+            <a:schemeClr val="accent1"/>
+          </a:effectRef>
+          <a:fontRef idx="minor">
+            <a:schemeClr val="lt1"/>
+          </a:fontRef>
+        </p:style>
+        <p:txBody>
+          <a:bodyPr wrap="square" lIns="91440" tIns="45720" rIns="91440" bIns="45720" vert="horz" anchor="ctr">
+            <a:noAutofit/>
+          </a:bodyPr>
+          <a:lstStyle/>
+          <a:p>
+            <a:pPr marL="0" indent="0" algn="ctr" hangingPunct="1"/>
+            <a:endParaRPr lang="ko-KR" altLang="en-US" sz="1800">
+              <a:latin typeface="맑은 고딕" charset="0"/>
+              <a:ea typeface="맑은 고딕" charset="0"/>
+            </a:endParaRPr>
+          </a:p>
+        </p:txBody>
+      </p:sp>
     </p:spTree>
   </p:cSld>
   <p:clrMapOvr>
@@ -6853,7 +7026,7 @@
         </p:grpSpPr>
         <p:pic>
           <p:nvPicPr>
-            <p:cNvPr id="11" name="Object 10" descr="C:/Users/user/AppData/Roaming/PolarisOffice/ETemp/14856_20176952/image43.png"/>
+            <p:cNvPr id="11" name="Object 10"/>
             <p:cNvPicPr>
               <a:picLocks noChangeAspect="1"/>
             </p:cNvPicPr>
@@ -6968,7 +7141,7 @@
         <p:spPr>
           <a:xfrm>
             <a:off x="351155" y="857885"/>
-            <a:ext cx="4467225" cy="462280"/>
+            <a:ext cx="4467860" cy="353695"/>
           </a:xfrm>
           <a:prstGeom prst="rect">
             <a:avLst/>
@@ -6976,28 +7149,50 @@
           <a:noFill/>
         </p:spPr>
         <p:txBody>
-          <a:bodyPr anchor="t" wrap="square" rtlCol="0">
+          <a:bodyPr wrap="square" lIns="91440" tIns="45720" rIns="91440" bIns="45720" numCol="1" vert="horz" anchor="t">
             <a:spAutoFit/>
           </a:bodyPr>
           <a:lstStyle/>
           <a:p>
-            <a:r>
-              <a:rPr lang="en-US" sz="1700" dirty="0" smtClean="0">
-                <a:solidFill>
-                  <a:srgbClr val="ffabe4"/>
-                </a:solidFill>
-                <a:latin typeface="DungGeunMo" pitchFamily="34" charset="0"/>
-                <a:cs typeface="DungGeunMo" pitchFamily="34" charset="0"/>
-              </a:rPr>
-              <a:t>프로젝트 이름을 넣어주세요</a:t>
-            </a:r>
-            <a:endParaRPr lang="en-US" dirty="0"/>
+            <a:pPr marL="0" indent="0" latinLnBrk="0">
+              <a:buFontTx/>
+              <a:buNone/>
+            </a:pPr>
+            <a:r>
+              <a:rPr lang="ko-KR" sz="1700">
+                <a:solidFill>
+                  <a:srgbClr val="FFABE4"/>
+                </a:solidFill>
+                <a:latin typeface="DungGeunMo" charset="0"/>
+                <a:ea typeface="Calibri" charset="0"/>
+                <a:cs typeface="DungGeunMo" charset="0"/>
+              </a:rPr>
+              <a:t>e</a:t>
+            </a:r>
+            <a:r>
+              <a:rPr lang="ko-KR" sz="1700">
+                <a:solidFill>
+                  <a:srgbClr val="FFABE4"/>
+                </a:solidFill>
+                <a:latin typeface="DungGeunMo" charset="0"/>
+                <a:ea typeface="Calibri" charset="0"/>
+                <a:cs typeface="DungGeunMo" charset="0"/>
+              </a:rPr>
+              <a:t>num</a:t>
+            </a:r>
+            <a:endParaRPr lang="ko-KR" altLang="en-US" sz="1700">
+              <a:solidFill>
+                <a:srgbClr val="FFABE4"/>
+              </a:solidFill>
+              <a:latin typeface="DungGeunMo" charset="0"/>
+              <a:cs typeface="DungGeunMo" charset="0"/>
+            </a:endParaRPr>
           </a:p>
         </p:txBody>
       </p:sp>
       <p:pic>
         <p:nvPicPr>
-          <p:cNvPr id="1006" name="그림 73" descr="C:/Users/user/AppData/Roaming/PolarisOffice/ETemp/14856_20176952/fImage57084894604.png"/>
+          <p:cNvPr id="1006" name="그림 73"/>
           <p:cNvPicPr>
             <a:picLocks noChangeAspect="1"/>
           </p:cNvPicPr>
@@ -7026,7 +7221,7 @@
       </p:pic>
       <p:pic>
         <p:nvPicPr>
-          <p:cNvPr id="1007" name="그림 74" descr="C:/Users/user/AppData/Roaming/PolarisOffice/ETemp/14856_20176952/fImage80234903902.png"/>
+          <p:cNvPr id="1007" name="그림 74"/>
           <p:cNvPicPr>
             <a:picLocks noChangeAspect="1"/>
           </p:cNvPicPr>
